--- a/img/drawings.pptx
+++ b/img/drawings.pptx
@@ -5,12 +5,16 @@
     <p:sldMasterId id="2147483648" r:id="rId1"/>
   </p:sldMasterIdLst>
   <p:notesMasterIdLst>
-    <p:notesMasterId r:id="rId5"/>
+    <p:notesMasterId r:id="rId9"/>
   </p:notesMasterIdLst>
   <p:sldIdLst>
     <p:sldId id="257" r:id="rId2"/>
     <p:sldId id="256" r:id="rId3"/>
     <p:sldId id="258" r:id="rId4"/>
+    <p:sldId id="259" r:id="rId5"/>
+    <p:sldId id="260" r:id="rId6"/>
+    <p:sldId id="262" r:id="rId7"/>
+    <p:sldId id="263" r:id="rId8"/>
   </p:sldIdLst>
   <p:sldSz cx="12192000" cy="6858000"/>
   <p:notesSz cx="6858000" cy="9144000"/>
@@ -109,6 +113,11 @@
       </a:defRPr>
     </a:lvl9pPr>
   </p:defaultTextStyle>
+  <p:extLst>
+    <p:ext uri="{EFAFB233-063F-42B5-8137-9DF3F51BA10A}">
+      <p15:sldGuideLst xmlns:p15="http://schemas.microsoft.com/office/powerpoint/2012/main"/>
+    </p:ext>
+  </p:extLst>
 </p:presentation>
 </file>
 
@@ -194,7 +203,7 @@
           <a:p>
             <a:fld id="{23B1D985-9E45-F745-8E6F-99BD5FF5B8E9}" type="datetimeFigureOut">
               <a:rPr lang="en-US" smtClean="0"/>
-              <a:t>1/23/18</a:t>
+              <a:t>1/30/18</a:t>
             </a:fld>
             <a:endParaRPr lang="en-US"/>
           </a:p>
@@ -258,35 +267,35 @@
           <a:p>
             <a:pPr lvl="0"/>
             <a:r>
-              <a:rPr lang="nl-NL" smtClean="0"/>
+              <a:rPr lang="nl-NL"/>
               <a:t>Klikken om de tekststijl van het model te bewerken</a:t>
             </a:r>
           </a:p>
           <a:p>
             <a:pPr lvl="1"/>
             <a:r>
-              <a:rPr lang="nl-NL" smtClean="0"/>
+              <a:rPr lang="nl-NL"/>
               <a:t>Tweede niveau</a:t>
             </a:r>
           </a:p>
           <a:p>
             <a:pPr lvl="2"/>
             <a:r>
-              <a:rPr lang="nl-NL" smtClean="0"/>
+              <a:rPr lang="nl-NL"/>
               <a:t>Derde niveau</a:t>
             </a:r>
           </a:p>
           <a:p>
             <a:pPr lvl="3"/>
             <a:r>
-              <a:rPr lang="nl-NL" smtClean="0"/>
+              <a:rPr lang="nl-NL"/>
               <a:t>Vierde niveau</a:t>
             </a:r>
           </a:p>
           <a:p>
             <a:pPr lvl="4"/>
             <a:r>
-              <a:rPr lang="nl-NL" smtClean="0"/>
+              <a:rPr lang="nl-NL"/>
               <a:t>Vijfde niveau</a:t>
             </a:r>
             <a:endParaRPr lang="en-US"/>
@@ -504,7 +513,7 @@
           </a:lstStyle>
           <a:p>
             <a:r>
-              <a:rPr lang="nl-NL" smtClean="0"/>
+              <a:rPr lang="nl-NL"/>
               <a:t>Klikken om de titelstijl van het model te bewerken</a:t>
             </a:r>
             <a:endParaRPr lang="en-US"/>
@@ -569,7 +578,7 @@
           </a:lstStyle>
           <a:p>
             <a:r>
-              <a:rPr lang="nl-NL" smtClean="0"/>
+              <a:rPr lang="nl-NL"/>
               <a:t>Klikken om de ondertitelstijl van het model te bewerken</a:t>
             </a:r>
             <a:endParaRPr lang="en-US"/>
@@ -593,7 +602,7 @@
           <a:p>
             <a:fld id="{CDFA72E3-FCBC-AC4B-8428-3ADBFAD695FC}" type="datetimeFigureOut">
               <a:rPr lang="en-US" smtClean="0"/>
-              <a:t>1/23/18</a:t>
+              <a:t>1/30/18</a:t>
             </a:fld>
             <a:endParaRPr lang="en-US"/>
           </a:p>
@@ -687,7 +696,7 @@
           <a:lstStyle/>
           <a:p>
             <a:r>
-              <a:rPr lang="nl-NL" smtClean="0"/>
+              <a:rPr lang="nl-NL"/>
               <a:t>Klikken om de titelstijl van het model te bewerken</a:t>
             </a:r>
             <a:endParaRPr lang="en-US"/>
@@ -711,35 +720,35 @@
           <a:p>
             <a:pPr lvl="0"/>
             <a:r>
-              <a:rPr lang="nl-NL" smtClean="0"/>
+              <a:rPr lang="nl-NL"/>
               <a:t>Klikken om de tekststijl van het model te bewerken</a:t>
             </a:r>
           </a:p>
           <a:p>
             <a:pPr lvl="1"/>
             <a:r>
-              <a:rPr lang="nl-NL" smtClean="0"/>
+              <a:rPr lang="nl-NL"/>
               <a:t>Tweede niveau</a:t>
             </a:r>
           </a:p>
           <a:p>
             <a:pPr lvl="2"/>
             <a:r>
-              <a:rPr lang="nl-NL" smtClean="0"/>
+              <a:rPr lang="nl-NL"/>
               <a:t>Derde niveau</a:t>
             </a:r>
           </a:p>
           <a:p>
             <a:pPr lvl="3"/>
             <a:r>
-              <a:rPr lang="nl-NL" smtClean="0"/>
+              <a:rPr lang="nl-NL"/>
               <a:t>Vierde niveau</a:t>
             </a:r>
           </a:p>
           <a:p>
             <a:pPr lvl="4"/>
             <a:r>
-              <a:rPr lang="nl-NL" smtClean="0"/>
+              <a:rPr lang="nl-NL"/>
               <a:t>Vijfde niveau</a:t>
             </a:r>
             <a:endParaRPr lang="en-US"/>
@@ -763,7 +772,7 @@
           <a:p>
             <a:fld id="{CDFA72E3-FCBC-AC4B-8428-3ADBFAD695FC}" type="datetimeFigureOut">
               <a:rPr lang="en-US" smtClean="0"/>
-              <a:t>1/23/18</a:t>
+              <a:t>1/30/18</a:t>
             </a:fld>
             <a:endParaRPr lang="en-US"/>
           </a:p>
@@ -862,7 +871,7 @@
           <a:lstStyle/>
           <a:p>
             <a:r>
-              <a:rPr lang="nl-NL" smtClean="0"/>
+              <a:rPr lang="nl-NL"/>
               <a:t>Klikken om de titelstijl van het model te bewerken</a:t>
             </a:r>
             <a:endParaRPr lang="en-US"/>
@@ -891,35 +900,35 @@
           <a:p>
             <a:pPr lvl="0"/>
             <a:r>
-              <a:rPr lang="nl-NL" smtClean="0"/>
+              <a:rPr lang="nl-NL"/>
               <a:t>Klikken om de tekststijl van het model te bewerken</a:t>
             </a:r>
           </a:p>
           <a:p>
             <a:pPr lvl="1"/>
             <a:r>
-              <a:rPr lang="nl-NL" smtClean="0"/>
+              <a:rPr lang="nl-NL"/>
               <a:t>Tweede niveau</a:t>
             </a:r>
           </a:p>
           <a:p>
             <a:pPr lvl="2"/>
             <a:r>
-              <a:rPr lang="nl-NL" smtClean="0"/>
+              <a:rPr lang="nl-NL"/>
               <a:t>Derde niveau</a:t>
             </a:r>
           </a:p>
           <a:p>
             <a:pPr lvl="3"/>
             <a:r>
-              <a:rPr lang="nl-NL" smtClean="0"/>
+              <a:rPr lang="nl-NL"/>
               <a:t>Vierde niveau</a:t>
             </a:r>
           </a:p>
           <a:p>
             <a:pPr lvl="4"/>
             <a:r>
-              <a:rPr lang="nl-NL" smtClean="0"/>
+              <a:rPr lang="nl-NL"/>
               <a:t>Vijfde niveau</a:t>
             </a:r>
             <a:endParaRPr lang="en-US"/>
@@ -943,7 +952,7 @@
           <a:p>
             <a:fld id="{CDFA72E3-FCBC-AC4B-8428-3ADBFAD695FC}" type="datetimeFigureOut">
               <a:rPr lang="en-US" smtClean="0"/>
-              <a:t>1/23/18</a:t>
+              <a:t>1/30/18</a:t>
             </a:fld>
             <a:endParaRPr lang="en-US"/>
           </a:p>
@@ -1037,7 +1046,7 @@
           <a:lstStyle/>
           <a:p>
             <a:r>
-              <a:rPr lang="nl-NL" smtClean="0"/>
+              <a:rPr lang="nl-NL"/>
               <a:t>Klikken om de titelstijl van het model te bewerken</a:t>
             </a:r>
             <a:endParaRPr lang="en-US"/>
@@ -1061,35 +1070,35 @@
           <a:p>
             <a:pPr lvl="0"/>
             <a:r>
-              <a:rPr lang="nl-NL" smtClean="0"/>
+              <a:rPr lang="nl-NL"/>
               <a:t>Klikken om de tekststijl van het model te bewerken</a:t>
             </a:r>
           </a:p>
           <a:p>
             <a:pPr lvl="1"/>
             <a:r>
-              <a:rPr lang="nl-NL" smtClean="0"/>
+              <a:rPr lang="nl-NL"/>
               <a:t>Tweede niveau</a:t>
             </a:r>
           </a:p>
           <a:p>
             <a:pPr lvl="2"/>
             <a:r>
-              <a:rPr lang="nl-NL" smtClean="0"/>
+              <a:rPr lang="nl-NL"/>
               <a:t>Derde niveau</a:t>
             </a:r>
           </a:p>
           <a:p>
             <a:pPr lvl="3"/>
             <a:r>
-              <a:rPr lang="nl-NL" smtClean="0"/>
+              <a:rPr lang="nl-NL"/>
               <a:t>Vierde niveau</a:t>
             </a:r>
           </a:p>
           <a:p>
             <a:pPr lvl="4"/>
             <a:r>
-              <a:rPr lang="nl-NL" smtClean="0"/>
+              <a:rPr lang="nl-NL"/>
               <a:t>Vijfde niveau</a:t>
             </a:r>
             <a:endParaRPr lang="en-US"/>
@@ -1113,7 +1122,7 @@
           <a:p>
             <a:fld id="{CDFA72E3-FCBC-AC4B-8428-3ADBFAD695FC}" type="datetimeFigureOut">
               <a:rPr lang="en-US" smtClean="0"/>
-              <a:t>1/23/18</a:t>
+              <a:t>1/30/18</a:t>
             </a:fld>
             <a:endParaRPr lang="en-US"/>
           </a:p>
@@ -1216,7 +1225,7 @@
           </a:lstStyle>
           <a:p>
             <a:r>
-              <a:rPr lang="nl-NL" smtClean="0"/>
+              <a:rPr lang="nl-NL"/>
               <a:t>Klikken om de titelstijl van het model te bewerken</a:t>
             </a:r>
             <a:endParaRPr lang="en-US"/>
@@ -1336,7 +1345,7 @@
           <a:p>
             <a:pPr lvl="0"/>
             <a:r>
-              <a:rPr lang="nl-NL" smtClean="0"/>
+              <a:rPr lang="nl-NL"/>
               <a:t>Klikken om de tekststijl van het model te bewerken</a:t>
             </a:r>
           </a:p>
@@ -1359,7 +1368,7 @@
           <a:p>
             <a:fld id="{CDFA72E3-FCBC-AC4B-8428-3ADBFAD695FC}" type="datetimeFigureOut">
               <a:rPr lang="en-US" smtClean="0"/>
-              <a:t>1/23/18</a:t>
+              <a:t>1/30/18</a:t>
             </a:fld>
             <a:endParaRPr lang="en-US"/>
           </a:p>
@@ -1453,7 +1462,7 @@
           <a:lstStyle/>
           <a:p>
             <a:r>
-              <a:rPr lang="nl-NL" smtClean="0"/>
+              <a:rPr lang="nl-NL"/>
               <a:t>Klikken om de titelstijl van het model te bewerken</a:t>
             </a:r>
             <a:endParaRPr lang="en-US"/>
@@ -1482,35 +1491,35 @@
           <a:p>
             <a:pPr lvl="0"/>
             <a:r>
-              <a:rPr lang="nl-NL" smtClean="0"/>
+              <a:rPr lang="nl-NL"/>
               <a:t>Klikken om de tekststijl van het model te bewerken</a:t>
             </a:r>
           </a:p>
           <a:p>
             <a:pPr lvl="1"/>
             <a:r>
-              <a:rPr lang="nl-NL" smtClean="0"/>
+              <a:rPr lang="nl-NL"/>
               <a:t>Tweede niveau</a:t>
             </a:r>
           </a:p>
           <a:p>
             <a:pPr lvl="2"/>
             <a:r>
-              <a:rPr lang="nl-NL" smtClean="0"/>
+              <a:rPr lang="nl-NL"/>
               <a:t>Derde niveau</a:t>
             </a:r>
           </a:p>
           <a:p>
             <a:pPr lvl="3"/>
             <a:r>
-              <a:rPr lang="nl-NL" smtClean="0"/>
+              <a:rPr lang="nl-NL"/>
               <a:t>Vierde niveau</a:t>
             </a:r>
           </a:p>
           <a:p>
             <a:pPr lvl="4"/>
             <a:r>
-              <a:rPr lang="nl-NL" smtClean="0"/>
+              <a:rPr lang="nl-NL"/>
               <a:t>Vijfde niveau</a:t>
             </a:r>
             <a:endParaRPr lang="en-US"/>
@@ -1539,35 +1548,35 @@
           <a:p>
             <a:pPr lvl="0"/>
             <a:r>
-              <a:rPr lang="nl-NL" smtClean="0"/>
+              <a:rPr lang="nl-NL"/>
               <a:t>Klikken om de tekststijl van het model te bewerken</a:t>
             </a:r>
           </a:p>
           <a:p>
             <a:pPr lvl="1"/>
             <a:r>
-              <a:rPr lang="nl-NL" smtClean="0"/>
+              <a:rPr lang="nl-NL"/>
               <a:t>Tweede niveau</a:t>
             </a:r>
           </a:p>
           <a:p>
             <a:pPr lvl="2"/>
             <a:r>
-              <a:rPr lang="nl-NL" smtClean="0"/>
+              <a:rPr lang="nl-NL"/>
               <a:t>Derde niveau</a:t>
             </a:r>
           </a:p>
           <a:p>
             <a:pPr lvl="3"/>
             <a:r>
-              <a:rPr lang="nl-NL" smtClean="0"/>
+              <a:rPr lang="nl-NL"/>
               <a:t>Vierde niveau</a:t>
             </a:r>
           </a:p>
           <a:p>
             <a:pPr lvl="4"/>
             <a:r>
-              <a:rPr lang="nl-NL" smtClean="0"/>
+              <a:rPr lang="nl-NL"/>
               <a:t>Vijfde niveau</a:t>
             </a:r>
             <a:endParaRPr lang="en-US"/>
@@ -1591,7 +1600,7 @@
           <a:p>
             <a:fld id="{CDFA72E3-FCBC-AC4B-8428-3ADBFAD695FC}" type="datetimeFigureOut">
               <a:rPr lang="en-US" smtClean="0"/>
-              <a:t>1/23/18</a:t>
+              <a:t>1/30/18</a:t>
             </a:fld>
             <a:endParaRPr lang="en-US"/>
           </a:p>
@@ -1690,7 +1699,7 @@
           <a:lstStyle/>
           <a:p>
             <a:r>
-              <a:rPr lang="nl-NL" smtClean="0"/>
+              <a:rPr lang="nl-NL"/>
               <a:t>Klikken om de titelstijl van het model te bewerken</a:t>
             </a:r>
             <a:endParaRPr lang="en-US"/>
@@ -1756,7 +1765,7 @@
           <a:p>
             <a:pPr lvl="0"/>
             <a:r>
-              <a:rPr lang="nl-NL" smtClean="0"/>
+              <a:rPr lang="nl-NL"/>
               <a:t>Klikken om de tekststijl van het model te bewerken</a:t>
             </a:r>
           </a:p>
@@ -1784,35 +1793,35 @@
           <a:p>
             <a:pPr lvl="0"/>
             <a:r>
-              <a:rPr lang="nl-NL" smtClean="0"/>
+              <a:rPr lang="nl-NL"/>
               <a:t>Klikken om de tekststijl van het model te bewerken</a:t>
             </a:r>
           </a:p>
           <a:p>
             <a:pPr lvl="1"/>
             <a:r>
-              <a:rPr lang="nl-NL" smtClean="0"/>
+              <a:rPr lang="nl-NL"/>
               <a:t>Tweede niveau</a:t>
             </a:r>
           </a:p>
           <a:p>
             <a:pPr lvl="2"/>
             <a:r>
-              <a:rPr lang="nl-NL" smtClean="0"/>
+              <a:rPr lang="nl-NL"/>
               <a:t>Derde niveau</a:t>
             </a:r>
           </a:p>
           <a:p>
             <a:pPr lvl="3"/>
             <a:r>
-              <a:rPr lang="nl-NL" smtClean="0"/>
+              <a:rPr lang="nl-NL"/>
               <a:t>Vierde niveau</a:t>
             </a:r>
           </a:p>
           <a:p>
             <a:pPr lvl="4"/>
             <a:r>
-              <a:rPr lang="nl-NL" smtClean="0"/>
+              <a:rPr lang="nl-NL"/>
               <a:t>Vijfde niveau</a:t>
             </a:r>
             <a:endParaRPr lang="en-US"/>
@@ -1878,7 +1887,7 @@
           <a:p>
             <a:pPr lvl="0"/>
             <a:r>
-              <a:rPr lang="nl-NL" smtClean="0"/>
+              <a:rPr lang="nl-NL"/>
               <a:t>Klikken om de tekststijl van het model te bewerken</a:t>
             </a:r>
           </a:p>
@@ -1906,35 +1915,35 @@
           <a:p>
             <a:pPr lvl="0"/>
             <a:r>
-              <a:rPr lang="nl-NL" smtClean="0"/>
+              <a:rPr lang="nl-NL"/>
               <a:t>Klikken om de tekststijl van het model te bewerken</a:t>
             </a:r>
           </a:p>
           <a:p>
             <a:pPr lvl="1"/>
             <a:r>
-              <a:rPr lang="nl-NL" smtClean="0"/>
+              <a:rPr lang="nl-NL"/>
               <a:t>Tweede niveau</a:t>
             </a:r>
           </a:p>
           <a:p>
             <a:pPr lvl="2"/>
             <a:r>
-              <a:rPr lang="nl-NL" smtClean="0"/>
+              <a:rPr lang="nl-NL"/>
               <a:t>Derde niveau</a:t>
             </a:r>
           </a:p>
           <a:p>
             <a:pPr lvl="3"/>
             <a:r>
-              <a:rPr lang="nl-NL" smtClean="0"/>
+              <a:rPr lang="nl-NL"/>
               <a:t>Vierde niveau</a:t>
             </a:r>
           </a:p>
           <a:p>
             <a:pPr lvl="4"/>
             <a:r>
-              <a:rPr lang="nl-NL" smtClean="0"/>
+              <a:rPr lang="nl-NL"/>
               <a:t>Vijfde niveau</a:t>
             </a:r>
             <a:endParaRPr lang="en-US"/>
@@ -1958,7 +1967,7 @@
           <a:p>
             <a:fld id="{CDFA72E3-FCBC-AC4B-8428-3ADBFAD695FC}" type="datetimeFigureOut">
               <a:rPr lang="en-US" smtClean="0"/>
-              <a:t>1/23/18</a:t>
+              <a:t>1/30/18</a:t>
             </a:fld>
             <a:endParaRPr lang="en-US"/>
           </a:p>
@@ -2052,7 +2061,7 @@
           <a:lstStyle/>
           <a:p>
             <a:r>
-              <a:rPr lang="nl-NL" smtClean="0"/>
+              <a:rPr lang="nl-NL"/>
               <a:t>Klikken om de titelstijl van het model te bewerken</a:t>
             </a:r>
             <a:endParaRPr lang="en-US"/>
@@ -2076,7 +2085,7 @@
           <a:p>
             <a:fld id="{CDFA72E3-FCBC-AC4B-8428-3ADBFAD695FC}" type="datetimeFigureOut">
               <a:rPr lang="en-US" smtClean="0"/>
-              <a:t>1/23/18</a:t>
+              <a:t>1/30/18</a:t>
             </a:fld>
             <a:endParaRPr lang="en-US"/>
           </a:p>
@@ -2171,7 +2180,7 @@
           <a:p>
             <a:fld id="{CDFA72E3-FCBC-AC4B-8428-3ADBFAD695FC}" type="datetimeFigureOut">
               <a:rPr lang="en-US" smtClean="0"/>
-              <a:t>1/23/18</a:t>
+              <a:t>1/30/18</a:t>
             </a:fld>
             <a:endParaRPr lang="en-US"/>
           </a:p>
@@ -2274,7 +2283,7 @@
           </a:lstStyle>
           <a:p>
             <a:r>
-              <a:rPr lang="nl-NL" smtClean="0"/>
+              <a:rPr lang="nl-NL"/>
               <a:t>Klikken om de titelstijl van het model te bewerken</a:t>
             </a:r>
             <a:endParaRPr lang="en-US"/>
@@ -2331,35 +2340,35 @@
           <a:p>
             <a:pPr lvl="0"/>
             <a:r>
-              <a:rPr lang="nl-NL" smtClean="0"/>
+              <a:rPr lang="nl-NL"/>
               <a:t>Klikken om de tekststijl van het model te bewerken</a:t>
             </a:r>
           </a:p>
           <a:p>
             <a:pPr lvl="1"/>
             <a:r>
-              <a:rPr lang="nl-NL" smtClean="0"/>
+              <a:rPr lang="nl-NL"/>
               <a:t>Tweede niveau</a:t>
             </a:r>
           </a:p>
           <a:p>
             <a:pPr lvl="2"/>
             <a:r>
-              <a:rPr lang="nl-NL" smtClean="0"/>
+              <a:rPr lang="nl-NL"/>
               <a:t>Derde niveau</a:t>
             </a:r>
           </a:p>
           <a:p>
             <a:pPr lvl="3"/>
             <a:r>
-              <a:rPr lang="nl-NL" smtClean="0"/>
+              <a:rPr lang="nl-NL"/>
               <a:t>Vierde niveau</a:t>
             </a:r>
           </a:p>
           <a:p>
             <a:pPr lvl="4"/>
             <a:r>
-              <a:rPr lang="nl-NL" smtClean="0"/>
+              <a:rPr lang="nl-NL"/>
               <a:t>Vijfde niveau</a:t>
             </a:r>
             <a:endParaRPr lang="en-US"/>
@@ -2425,7 +2434,7 @@
           <a:p>
             <a:pPr lvl="0"/>
             <a:r>
-              <a:rPr lang="nl-NL" smtClean="0"/>
+              <a:rPr lang="nl-NL"/>
               <a:t>Klikken om de tekststijl van het model te bewerken</a:t>
             </a:r>
           </a:p>
@@ -2448,7 +2457,7 @@
           <a:p>
             <a:fld id="{CDFA72E3-FCBC-AC4B-8428-3ADBFAD695FC}" type="datetimeFigureOut">
               <a:rPr lang="en-US" smtClean="0"/>
-              <a:t>1/23/18</a:t>
+              <a:t>1/30/18</a:t>
             </a:fld>
             <a:endParaRPr lang="en-US"/>
           </a:p>
@@ -2551,7 +2560,7 @@
           </a:lstStyle>
           <a:p>
             <a:r>
-              <a:rPr lang="nl-NL" smtClean="0"/>
+              <a:rPr lang="nl-NL"/>
               <a:t>Klikken om de titelstijl van het model te bewerken</a:t>
             </a:r>
             <a:endParaRPr lang="en-US"/>
@@ -2678,7 +2687,7 @@
           <a:p>
             <a:pPr lvl="0"/>
             <a:r>
-              <a:rPr lang="nl-NL" smtClean="0"/>
+              <a:rPr lang="nl-NL"/>
               <a:t>Klikken om de tekststijl van het model te bewerken</a:t>
             </a:r>
           </a:p>
@@ -2701,7 +2710,7 @@
           <a:p>
             <a:fld id="{CDFA72E3-FCBC-AC4B-8428-3ADBFAD695FC}" type="datetimeFigureOut">
               <a:rPr lang="en-US" smtClean="0"/>
-              <a:t>1/23/18</a:t>
+              <a:t>1/30/18</a:t>
             </a:fld>
             <a:endParaRPr lang="en-US"/>
           </a:p>
@@ -2810,7 +2819,7 @@
           <a:lstStyle/>
           <a:p>
             <a:r>
-              <a:rPr lang="nl-NL" smtClean="0"/>
+              <a:rPr lang="nl-NL"/>
               <a:t>Klikken om de titelstijl van het model te bewerken</a:t>
             </a:r>
             <a:endParaRPr lang="en-US"/>
@@ -2844,35 +2853,35 @@
           <a:p>
             <a:pPr lvl="0"/>
             <a:r>
-              <a:rPr lang="nl-NL" smtClean="0"/>
+              <a:rPr lang="nl-NL"/>
               <a:t>Klikken om de tekststijl van het model te bewerken</a:t>
             </a:r>
           </a:p>
           <a:p>
             <a:pPr lvl="1"/>
             <a:r>
-              <a:rPr lang="nl-NL" smtClean="0"/>
+              <a:rPr lang="nl-NL"/>
               <a:t>Tweede niveau</a:t>
             </a:r>
           </a:p>
           <a:p>
             <a:pPr lvl="2"/>
             <a:r>
-              <a:rPr lang="nl-NL" smtClean="0"/>
+              <a:rPr lang="nl-NL"/>
               <a:t>Derde niveau</a:t>
             </a:r>
           </a:p>
           <a:p>
             <a:pPr lvl="3"/>
             <a:r>
-              <a:rPr lang="nl-NL" smtClean="0"/>
+              <a:rPr lang="nl-NL"/>
               <a:t>Vierde niveau</a:t>
             </a:r>
           </a:p>
           <a:p>
             <a:pPr lvl="4"/>
             <a:r>
-              <a:rPr lang="nl-NL" smtClean="0"/>
+              <a:rPr lang="nl-NL"/>
               <a:t>Vijfde niveau</a:t>
             </a:r>
             <a:endParaRPr lang="en-US"/>
@@ -2914,7 +2923,7 @@
           <a:p>
             <a:fld id="{CDFA72E3-FCBC-AC4B-8428-3ADBFAD695FC}" type="datetimeFigureOut">
               <a:rPr lang="en-US" smtClean="0"/>
-              <a:t>1/23/18</a:t>
+              <a:t>1/30/18</a:t>
             </a:fld>
             <a:endParaRPr lang="en-US"/>
           </a:p>
@@ -3629,7 +3638,7 @@
             <a:lstStyle/>
             <a:p>
               <a:r>
-                <a:rPr lang="en-US" smtClean="0"/>
+                <a:rPr lang="en-US"/>
                 <a:t>Wetenschap  </a:t>
               </a:r>
               <a:endParaRPr lang="en-US" dirty="0"/>
@@ -3724,7 +3733,7 @@
             <a:lstStyle/>
             <a:p>
               <a:r>
-                <a:rPr lang="en-US" dirty="0" err="1" smtClean="0">
+                <a:rPr lang="en-US" dirty="0" err="1">
                   <a:solidFill>
                     <a:srgbClr val="C00000"/>
                   </a:solidFill>
@@ -3827,18 +3836,13 @@
             <a:lstStyle/>
             <a:p>
               <a:r>
-                <a:rPr lang="en-US" dirty="0" smtClean="0">
+                <a:rPr lang="en-US" dirty="0">
                   <a:solidFill>
                     <a:srgbClr val="FFFF00"/>
                   </a:solidFill>
                 </a:rPr>
                 <a:t>China</a:t>
               </a:r>
-              <a:endParaRPr lang="en-US" dirty="0">
-                <a:solidFill>
-                  <a:srgbClr val="FFFF00"/>
-                </a:solidFill>
-              </a:endParaRPr>
             </a:p>
           </p:txBody>
         </p:sp>
@@ -3916,18 +3920,13 @@
           <a:lstStyle/>
           <a:p>
             <a:r>
-              <a:rPr lang="en-US" dirty="0" smtClean="0">
+              <a:rPr lang="en-US" dirty="0">
                 <a:solidFill>
                   <a:srgbClr val="FFFF00"/>
                 </a:solidFill>
               </a:rPr>
               <a:t>China</a:t>
             </a:r>
-            <a:endParaRPr lang="en-US" dirty="0">
-              <a:solidFill>
-                <a:srgbClr val="FFFF00"/>
-              </a:solidFill>
-            </a:endParaRPr>
           </a:p>
         </p:txBody>
       </p:sp>
@@ -4004,7 +4003,7 @@
           <a:lstStyle/>
           <a:p>
             <a:r>
-              <a:rPr lang="en-US" sz="1400" dirty="0" err="1" smtClean="0"/>
+              <a:rPr lang="en-US" sz="1400" dirty="0" err="1"/>
               <a:t>Natuurkunde</a:t>
             </a:r>
             <a:endParaRPr lang="en-US" sz="1400" dirty="0"/>
@@ -4082,6 +4081,437 @@
     <p:extLst>
       <p:ext uri="{BB962C8B-B14F-4D97-AF65-F5344CB8AC3E}">
         <p14:creationId xmlns:p14="http://schemas.microsoft.com/office/powerpoint/2010/main" val="389514247"/>
+      </p:ext>
+    </p:extLst>
+  </p:cSld>
+  <p:clrMapOvr>
+    <a:masterClrMapping/>
+  </p:clrMapOvr>
+</p:sld>
+</file>
+
+<file path=ppt/slides/slide4.xml><?xml version="1.0" encoding="utf-8"?>
+<p:sld xmlns:a="http://schemas.openxmlformats.org/drawingml/2006/main" xmlns:r="http://schemas.openxmlformats.org/officeDocument/2006/relationships" xmlns:p="http://schemas.openxmlformats.org/presentationml/2006/main">
+  <p:cSld>
+    <p:spTree>
+      <p:nvGrpSpPr>
+        <p:cNvPr id="1" name=""/>
+        <p:cNvGrpSpPr/>
+        <p:nvPr/>
+      </p:nvGrpSpPr>
+      <p:grpSpPr>
+        <a:xfrm>
+          <a:off x="0" y="0"/>
+          <a:ext cx="0" cy="0"/>
+          <a:chOff x="0" y="0"/>
+          <a:chExt cx="0" cy="0"/>
+        </a:xfrm>
+      </p:grpSpPr>
+      <p:pic>
+        <p:nvPicPr>
+          <p:cNvPr id="3" name="Afbeelding 2">
+            <a:extLst>
+              <a:ext uri="{FF2B5EF4-FFF2-40B4-BE49-F238E27FC236}">
+                <a16:creationId xmlns:a16="http://schemas.microsoft.com/office/drawing/2014/main" id="{B9B692E3-81C4-3A47-9261-D1CEB2DE076F}"/>
+              </a:ext>
+            </a:extLst>
+          </p:cNvPr>
+          <p:cNvPicPr>
+            <a:picLocks noChangeAspect="1"/>
+          </p:cNvPicPr>
+          <p:nvPr/>
+        </p:nvPicPr>
+        <p:blipFill rotWithShape="1">
+          <a:blip r:embed="rId2"/>
+          <a:srcRect l="16007" t="16105" r="16316" b="16219"/>
+          <a:stretch/>
+        </p:blipFill>
+        <p:spPr>
+          <a:xfrm>
+            <a:off x="4956314" y="1815548"/>
+            <a:ext cx="2520000" cy="2520000"/>
+          </a:xfrm>
+          <a:prstGeom prst="rect">
+            <a:avLst/>
+          </a:prstGeom>
+        </p:spPr>
+      </p:pic>
+      <p:sp>
+        <p:nvSpPr>
+          <p:cNvPr id="5" name="Rechthoek 4"/>
+          <p:cNvSpPr/>
+          <p:nvPr/>
+        </p:nvSpPr>
+        <p:spPr>
+          <a:xfrm>
+            <a:off x="4956313" y="1815548"/>
+            <a:ext cx="2520000" cy="2520000"/>
+          </a:xfrm>
+          <a:prstGeom prst="rect">
+            <a:avLst/>
+          </a:prstGeom>
+          <a:noFill/>
+          <a:ln>
+            <a:solidFill>
+              <a:schemeClr val="tx1"/>
+            </a:solidFill>
+          </a:ln>
+        </p:spPr>
+        <p:style>
+          <a:lnRef idx="2">
+            <a:schemeClr val="accent1">
+              <a:shade val="50000"/>
+            </a:schemeClr>
+          </a:lnRef>
+          <a:fillRef idx="1">
+            <a:schemeClr val="accent1"/>
+          </a:fillRef>
+          <a:effectRef idx="0">
+            <a:schemeClr val="accent1"/>
+          </a:effectRef>
+          <a:fontRef idx="minor">
+            <a:schemeClr val="lt1"/>
+          </a:fontRef>
+        </p:style>
+        <p:txBody>
+          <a:bodyPr rtlCol="0" anchor="ctr"/>
+          <a:lstStyle/>
+          <a:p>
+            <a:pPr algn="ctr"/>
+            <a:endParaRPr lang="en-US"/>
+          </a:p>
+        </p:txBody>
+      </p:sp>
+    </p:spTree>
+    <p:extLst>
+      <p:ext uri="{BB962C8B-B14F-4D97-AF65-F5344CB8AC3E}">
+        <p14:creationId xmlns:p14="http://schemas.microsoft.com/office/powerpoint/2010/main" val="4267569161"/>
+      </p:ext>
+    </p:extLst>
+  </p:cSld>
+  <p:clrMapOvr>
+    <a:masterClrMapping/>
+  </p:clrMapOvr>
+</p:sld>
+</file>
+
+<file path=ppt/slides/slide5.xml><?xml version="1.0" encoding="utf-8"?>
+<p:sld xmlns:a="http://schemas.openxmlformats.org/drawingml/2006/main" xmlns:r="http://schemas.openxmlformats.org/officeDocument/2006/relationships" xmlns:p="http://schemas.openxmlformats.org/presentationml/2006/main">
+  <p:cSld>
+    <p:spTree>
+      <p:nvGrpSpPr>
+        <p:cNvPr id="1" name=""/>
+        <p:cNvGrpSpPr/>
+        <p:nvPr/>
+      </p:nvGrpSpPr>
+      <p:grpSpPr>
+        <a:xfrm>
+          <a:off x="0" y="0"/>
+          <a:ext cx="0" cy="0"/>
+          <a:chOff x="0" y="0"/>
+          <a:chExt cx="0" cy="0"/>
+        </a:xfrm>
+      </p:grpSpPr>
+      <p:sp>
+        <p:nvSpPr>
+          <p:cNvPr id="5" name="Rechthoek 4"/>
+          <p:cNvSpPr/>
+          <p:nvPr/>
+        </p:nvSpPr>
+        <p:spPr>
+          <a:xfrm>
+            <a:off x="4956313" y="1815548"/>
+            <a:ext cx="2520000" cy="2520000"/>
+          </a:xfrm>
+          <a:prstGeom prst="rect">
+            <a:avLst/>
+          </a:prstGeom>
+          <a:noFill/>
+          <a:ln>
+            <a:solidFill>
+              <a:schemeClr val="tx1"/>
+            </a:solidFill>
+          </a:ln>
+        </p:spPr>
+        <p:style>
+          <a:lnRef idx="2">
+            <a:schemeClr val="accent1">
+              <a:shade val="50000"/>
+            </a:schemeClr>
+          </a:lnRef>
+          <a:fillRef idx="1">
+            <a:schemeClr val="accent1"/>
+          </a:fillRef>
+          <a:effectRef idx="0">
+            <a:schemeClr val="accent1"/>
+          </a:effectRef>
+          <a:fontRef idx="minor">
+            <a:schemeClr val="lt1"/>
+          </a:fontRef>
+        </p:style>
+        <p:txBody>
+          <a:bodyPr rtlCol="0" anchor="ctr"/>
+          <a:lstStyle/>
+          <a:p>
+            <a:pPr algn="ctr"/>
+            <a:endParaRPr lang="en-US"/>
+          </a:p>
+        </p:txBody>
+      </p:sp>
+      <p:pic>
+        <p:nvPicPr>
+          <p:cNvPr id="4" name="Afbeelding 3">
+            <a:extLst>
+              <a:ext uri="{FF2B5EF4-FFF2-40B4-BE49-F238E27FC236}">
+                <a16:creationId xmlns:a16="http://schemas.microsoft.com/office/drawing/2014/main" id="{F8BEEF2E-651B-2C48-A4FE-1A20FB8F7223}"/>
+              </a:ext>
+            </a:extLst>
+          </p:cNvPr>
+          <p:cNvPicPr>
+            <a:picLocks noChangeAspect="1"/>
+          </p:cNvPicPr>
+          <p:nvPr/>
+        </p:nvPicPr>
+        <p:blipFill>
+          <a:blip r:embed="rId2"/>
+          <a:stretch>
+            <a:fillRect/>
+          </a:stretch>
+        </p:blipFill>
+        <p:spPr>
+          <a:xfrm>
+            <a:off x="4956313" y="1815548"/>
+            <a:ext cx="2520000" cy="2520000"/>
+          </a:xfrm>
+          <a:prstGeom prst="rect">
+            <a:avLst/>
+          </a:prstGeom>
+          <a:solidFill>
+            <a:schemeClr val="accent1"/>
+          </a:solidFill>
+        </p:spPr>
+      </p:pic>
+    </p:spTree>
+    <p:extLst>
+      <p:ext uri="{BB962C8B-B14F-4D97-AF65-F5344CB8AC3E}">
+        <p14:creationId xmlns:p14="http://schemas.microsoft.com/office/powerpoint/2010/main" val="3992045808"/>
+      </p:ext>
+    </p:extLst>
+  </p:cSld>
+  <p:clrMapOvr>
+    <a:masterClrMapping/>
+  </p:clrMapOvr>
+</p:sld>
+</file>
+
+<file path=ppt/slides/slide6.xml><?xml version="1.0" encoding="utf-8"?>
+<p:sld xmlns:a="http://schemas.openxmlformats.org/drawingml/2006/main" xmlns:r="http://schemas.openxmlformats.org/officeDocument/2006/relationships" xmlns:p="http://schemas.openxmlformats.org/presentationml/2006/main">
+  <p:cSld>
+    <p:spTree>
+      <p:nvGrpSpPr>
+        <p:cNvPr id="1" name=""/>
+        <p:cNvGrpSpPr/>
+        <p:nvPr/>
+      </p:nvGrpSpPr>
+      <p:grpSpPr>
+        <a:xfrm>
+          <a:off x="0" y="0"/>
+          <a:ext cx="0" cy="0"/>
+          <a:chOff x="0" y="0"/>
+          <a:chExt cx="0" cy="0"/>
+        </a:xfrm>
+      </p:grpSpPr>
+      <p:pic>
+        <p:nvPicPr>
+          <p:cNvPr id="4" name="Afbeelding 3">
+            <a:extLst>
+              <a:ext uri="{FF2B5EF4-FFF2-40B4-BE49-F238E27FC236}">
+                <a16:creationId xmlns:a16="http://schemas.microsoft.com/office/drawing/2014/main" id="{F8BEEF2E-651B-2C48-A4FE-1A20FB8F7223}"/>
+              </a:ext>
+            </a:extLst>
+          </p:cNvPr>
+          <p:cNvPicPr>
+            <a:picLocks noChangeAspect="1"/>
+          </p:cNvPicPr>
+          <p:nvPr/>
+        </p:nvPicPr>
+        <p:blipFill rotWithShape="1">
+          <a:blip r:embed="rId2"/>
+          <a:srcRect t="16843" b="16443"/>
+          <a:stretch/>
+        </p:blipFill>
+        <p:spPr>
+          <a:xfrm>
+            <a:off x="4956313" y="3848777"/>
+            <a:ext cx="2520000" cy="1681200"/>
+          </a:xfrm>
+          <a:prstGeom prst="rect">
+            <a:avLst/>
+          </a:prstGeom>
+          <a:solidFill>
+            <a:schemeClr val="accent1"/>
+          </a:solidFill>
+        </p:spPr>
+      </p:pic>
+      <p:sp>
+        <p:nvSpPr>
+          <p:cNvPr id="5" name="Rechthoek 4"/>
+          <p:cNvSpPr/>
+          <p:nvPr/>
+        </p:nvSpPr>
+        <p:spPr>
+          <a:xfrm>
+            <a:off x="4956313" y="3848777"/>
+            <a:ext cx="2520000" cy="1681200"/>
+          </a:xfrm>
+          <a:prstGeom prst="rect">
+            <a:avLst/>
+          </a:prstGeom>
+          <a:noFill/>
+          <a:ln>
+            <a:solidFill>
+              <a:schemeClr val="tx1"/>
+            </a:solidFill>
+          </a:ln>
+        </p:spPr>
+        <p:style>
+          <a:lnRef idx="2">
+            <a:schemeClr val="accent1">
+              <a:shade val="50000"/>
+            </a:schemeClr>
+          </a:lnRef>
+          <a:fillRef idx="1">
+            <a:schemeClr val="accent1"/>
+          </a:fillRef>
+          <a:effectRef idx="0">
+            <a:schemeClr val="accent1"/>
+          </a:effectRef>
+          <a:fontRef idx="minor">
+            <a:schemeClr val="lt1"/>
+          </a:fontRef>
+        </p:style>
+        <p:txBody>
+          <a:bodyPr rtlCol="0" anchor="ctr"/>
+          <a:lstStyle/>
+          <a:p>
+            <a:pPr algn="ctr"/>
+            <a:endParaRPr lang="en-US"/>
+          </a:p>
+        </p:txBody>
+      </p:sp>
+    </p:spTree>
+    <p:extLst>
+      <p:ext uri="{BB962C8B-B14F-4D97-AF65-F5344CB8AC3E}">
+        <p14:creationId xmlns:p14="http://schemas.microsoft.com/office/powerpoint/2010/main" val="410282040"/>
+      </p:ext>
+    </p:extLst>
+  </p:cSld>
+  <p:clrMapOvr>
+    <a:masterClrMapping/>
+  </p:clrMapOvr>
+</p:sld>
+</file>
+
+<file path=ppt/slides/slide7.xml><?xml version="1.0" encoding="utf-8"?>
+<p:sld xmlns:a="http://schemas.openxmlformats.org/drawingml/2006/main" xmlns:r="http://schemas.openxmlformats.org/officeDocument/2006/relationships" xmlns:p="http://schemas.openxmlformats.org/presentationml/2006/main">
+  <p:cSld>
+    <p:spTree>
+      <p:nvGrpSpPr>
+        <p:cNvPr id="1" name=""/>
+        <p:cNvGrpSpPr/>
+        <p:nvPr/>
+      </p:nvGrpSpPr>
+      <p:grpSpPr>
+        <a:xfrm>
+          <a:off x="0" y="0"/>
+          <a:ext cx="0" cy="0"/>
+          <a:chOff x="0" y="0"/>
+          <a:chExt cx="0" cy="0"/>
+        </a:xfrm>
+      </p:grpSpPr>
+      <p:pic>
+        <p:nvPicPr>
+          <p:cNvPr id="4" name="Afbeelding 3">
+            <a:extLst>
+              <a:ext uri="{FF2B5EF4-FFF2-40B4-BE49-F238E27FC236}">
+                <a16:creationId xmlns:a16="http://schemas.microsoft.com/office/drawing/2014/main" id="{F8BEEF2E-651B-2C48-A4FE-1A20FB8F7223}"/>
+              </a:ext>
+            </a:extLst>
+          </p:cNvPr>
+          <p:cNvPicPr>
+            <a:picLocks noChangeAspect="1"/>
+          </p:cNvPicPr>
+          <p:nvPr/>
+        </p:nvPicPr>
+        <p:blipFill>
+          <a:blip r:embed="rId2"/>
+          <a:stretch>
+            <a:fillRect/>
+          </a:stretch>
+        </p:blipFill>
+        <p:spPr>
+          <a:xfrm>
+            <a:off x="4956313" y="3376216"/>
+            <a:ext cx="2520000" cy="2520000"/>
+          </a:xfrm>
+          <a:prstGeom prst="rect">
+            <a:avLst/>
+          </a:prstGeom>
+          <a:solidFill>
+            <a:schemeClr val="accent1"/>
+          </a:solidFill>
+        </p:spPr>
+      </p:pic>
+      <p:sp>
+        <p:nvSpPr>
+          <p:cNvPr id="5" name="Rechthoek 4"/>
+          <p:cNvSpPr/>
+          <p:nvPr/>
+        </p:nvSpPr>
+        <p:spPr>
+          <a:xfrm>
+            <a:off x="4956313" y="3848777"/>
+            <a:ext cx="2520000" cy="1681200"/>
+          </a:xfrm>
+          <a:prstGeom prst="rect">
+            <a:avLst/>
+          </a:prstGeom>
+          <a:noFill/>
+          <a:ln>
+            <a:solidFill>
+              <a:schemeClr val="tx1"/>
+            </a:solidFill>
+          </a:ln>
+        </p:spPr>
+        <p:style>
+          <a:lnRef idx="2">
+            <a:schemeClr val="accent1">
+              <a:shade val="50000"/>
+            </a:schemeClr>
+          </a:lnRef>
+          <a:fillRef idx="1">
+            <a:schemeClr val="accent1"/>
+          </a:fillRef>
+          <a:effectRef idx="0">
+            <a:schemeClr val="accent1"/>
+          </a:effectRef>
+          <a:fontRef idx="minor">
+            <a:schemeClr val="lt1"/>
+          </a:fontRef>
+        </p:style>
+        <p:txBody>
+          <a:bodyPr rtlCol="0" anchor="ctr"/>
+          <a:lstStyle/>
+          <a:p>
+            <a:pPr algn="ctr"/>
+            <a:endParaRPr lang="en-US"/>
+          </a:p>
+        </p:txBody>
+      </p:sp>
+    </p:spTree>
+    <p:extLst>
+      <p:ext uri="{BB962C8B-B14F-4D97-AF65-F5344CB8AC3E}">
+        <p14:creationId xmlns:p14="http://schemas.microsoft.com/office/powerpoint/2010/main" val="728559044"/>
       </p:ext>
     </p:extLst>
   </p:cSld>

--- a/img/drawings.pptx
+++ b/img/drawings.pptx
@@ -4431,10 +4431,10 @@
       </p:grpSpPr>
       <p:pic>
         <p:nvPicPr>
-          <p:cNvPr id="4" name="Afbeelding 3">
+          <p:cNvPr id="6" name="Afbeelding 5">
             <a:extLst>
               <a:ext uri="{FF2B5EF4-FFF2-40B4-BE49-F238E27FC236}">
-                <a16:creationId xmlns:a16="http://schemas.microsoft.com/office/drawing/2014/main" id="{F8BEEF2E-651B-2C48-A4FE-1A20FB8F7223}"/>
+                <a16:creationId xmlns:a16="http://schemas.microsoft.com/office/drawing/2014/main" id="{BF084762-5C26-C546-B298-B5B1818BE0A5}"/>
               </a:ext>
             </a:extLst>
           </p:cNvPr>
@@ -4443,23 +4443,19 @@
           </p:cNvPicPr>
           <p:nvPr/>
         </p:nvPicPr>
-        <p:blipFill>
+        <p:blipFill rotWithShape="1">
           <a:blip r:embed="rId2"/>
-          <a:stretch>
-            <a:fillRect/>
-          </a:stretch>
+          <a:srcRect l="2867" t="18474" r="2634" b="18484"/>
+          <a:stretch/>
         </p:blipFill>
         <p:spPr>
           <a:xfrm>
-            <a:off x="4956313" y="3376216"/>
-            <a:ext cx="2520000" cy="2520000"/>
+            <a:off x="4956314" y="3848776"/>
+            <a:ext cx="2520000" cy="1681201"/>
           </a:xfrm>
           <a:prstGeom prst="rect">
             <a:avLst/>
           </a:prstGeom>
-          <a:solidFill>
-            <a:schemeClr val="accent1"/>
-          </a:solidFill>
         </p:spPr>
       </p:pic>
       <p:sp>
